--- a/presentations/Anand Karaj Presentation.pptx
+++ b/presentations/Anand Karaj Presentation.pptx
@@ -177,7 +177,7 @@
           </a:p>
         </p:txBody>
       </p:sp>
-      <p:sp useBgFill="1">
+      <p:sp>
         <p:nvSpPr>
           <p:cNvPr id="13" name="Rounded Rectangle 12"/>
           <p:cNvSpPr/>
@@ -193,11 +193,12 @@
               <a:gd name="adj" fmla="val 4929"/>
             </a:avLst>
           </a:prstGeom>
+          <a:solidFill>
+            <a:schemeClr val="bg1"/>
+          </a:solidFill>
           <a:ln w="6350" cap="sq" cmpd="sng" algn="ctr">
             <a:solidFill>
-              <a:schemeClr val="tx1">
-                <a:alpha val="100000"/>
-              </a:schemeClr>
+              <a:srgbClr val="92D050"/>
             </a:solidFill>
             <a:prstDash val="solid"/>
           </a:ln>
@@ -927,10 +928,10 @@
           <a:lstStyle/>
           <a:p>
             <a:r>
-              <a:rPr kumimoji="0" lang="en-US" smtClean="0"/>
+              <a:rPr kumimoji="0" lang="en-US" dirty="0" smtClean="0"/>
               <a:t>Click to edit Master title style</a:t>
             </a:r>
-            <a:endParaRPr kumimoji="0" lang="en-US"/>
+            <a:endParaRPr kumimoji="0" lang="en-US" dirty="0"/>
           </a:p>
         </p:txBody>
       </p:sp>
@@ -1023,41 +1024,93 @@
           <a:p>
             <a:pPr lvl="0" eaLnBrk="1" latinLnBrk="0" hangingPunct="1"/>
             <a:r>
-              <a:rPr lang="en-US" smtClean="0"/>
+              <a:rPr lang="en-US" dirty="0" smtClean="0"/>
               <a:t>Click to edit Master text styles</a:t>
             </a:r>
           </a:p>
           <a:p>
             <a:pPr lvl="1" eaLnBrk="1" latinLnBrk="0" hangingPunct="1"/>
             <a:r>
-              <a:rPr lang="en-US" smtClean="0"/>
+              <a:rPr lang="en-US" dirty="0" smtClean="0"/>
               <a:t>Second level</a:t>
             </a:r>
           </a:p>
           <a:p>
             <a:pPr lvl="2" eaLnBrk="1" latinLnBrk="0" hangingPunct="1"/>
             <a:r>
-              <a:rPr lang="en-US" smtClean="0"/>
+              <a:rPr lang="en-US" dirty="0" smtClean="0"/>
               <a:t>Third level</a:t>
             </a:r>
           </a:p>
           <a:p>
             <a:pPr lvl="3" eaLnBrk="1" latinLnBrk="0" hangingPunct="1"/>
             <a:r>
-              <a:rPr lang="en-US" smtClean="0"/>
+              <a:rPr lang="en-US" dirty="0" smtClean="0"/>
               <a:t>Fourth level</a:t>
             </a:r>
           </a:p>
           <a:p>
             <a:pPr lvl="4" eaLnBrk="1" latinLnBrk="0" hangingPunct="1"/>
             <a:r>
-              <a:rPr lang="en-US" smtClean="0"/>
+              <a:rPr lang="en-US" dirty="0" smtClean="0"/>
               <a:t>Fifth level</a:t>
             </a:r>
-            <a:endParaRPr kumimoji="0" lang="en-US"/>
-          </a:p>
-        </p:txBody>
-      </p:sp>
+            <a:endParaRPr kumimoji="0" lang="en-US" dirty="0"/>
+          </a:p>
+        </p:txBody>
+      </p:sp>
+      <p:pic>
+        <p:nvPicPr>
+          <p:cNvPr id="9" name="Picture 2" descr="http://upload.wikimedia.org/wikipedia/commons/0/06/Khanda_Orange.jpg"/>
+          <p:cNvPicPr>
+            <a:picLocks noChangeAspect="1" noChangeArrowheads="1"/>
+          </p:cNvPicPr>
+          <p:nvPr userDrawn="1"/>
+        </p:nvPicPr>
+        <p:blipFill>
+          <a:blip r:embed="rId2" cstate="print"/>
+          <a:srcRect/>
+          <a:stretch>
+            <a:fillRect/>
+          </a:stretch>
+        </p:blipFill>
+        <p:spPr bwMode="auto">
+          <a:xfrm>
+            <a:off x="144361" y="332656"/>
+            <a:ext cx="683223" cy="777460"/>
+          </a:xfrm>
+          <a:prstGeom prst="rect">
+            <a:avLst/>
+          </a:prstGeom>
+          <a:noFill/>
+        </p:spPr>
+      </p:pic>
+      <p:pic>
+        <p:nvPicPr>
+          <p:cNvPr id="14340" name="Picture 4" descr="http://www.exoticindia.com/books/ek_onkar_audio_cd_icd022.jpg"/>
+          <p:cNvPicPr>
+            <a:picLocks noChangeAspect="1" noChangeArrowheads="1"/>
+          </p:cNvPicPr>
+          <p:nvPr userDrawn="1"/>
+        </p:nvPicPr>
+        <p:blipFill>
+          <a:blip r:embed="rId3" cstate="print"/>
+          <a:srcRect l="26927" t="18469" r="22585" b="34593"/>
+          <a:stretch>
+            <a:fillRect/>
+          </a:stretch>
+        </p:blipFill>
+        <p:spPr bwMode="auto">
+          <a:xfrm>
+            <a:off x="8172400" y="332656"/>
+            <a:ext cx="864096" cy="720080"/>
+          </a:xfrm>
+          <a:prstGeom prst="rect">
+            <a:avLst/>
+          </a:prstGeom>
+          <a:noFill/>
+        </p:spPr>
+      </p:pic>
     </p:spTree>
   </p:cSld>
   <p:clrMapOvr>
@@ -3086,7 +3139,7 @@
           </a:p>
         </p:txBody>
       </p:sp>
-      <p:sp useBgFill="1">
+      <p:sp>
         <p:nvSpPr>
           <p:cNvPr id="8" name="Rounded Rectangle 7"/>
           <p:cNvSpPr/>
@@ -3102,11 +3155,12 @@
               <a:gd name="adj" fmla="val 4929"/>
             </a:avLst>
           </a:prstGeom>
+          <a:solidFill>
+            <a:schemeClr val="bg1"/>
+          </a:solidFill>
           <a:ln w="6350" cap="sq" cmpd="sng" algn="ctr">
             <a:solidFill>
-              <a:schemeClr val="tx1">
-                <a:alpha val="100000"/>
-              </a:schemeClr>
+              <a:schemeClr val="bg1"/>
             </a:solidFill>
             <a:prstDash val="solid"/>
           </a:ln>
@@ -3195,38 +3249,38 @@
           <a:p>
             <a:pPr lvl="0" eaLnBrk="1" latinLnBrk="0" hangingPunct="1"/>
             <a:r>
-              <a:rPr kumimoji="0" lang="en-US" smtClean="0"/>
+              <a:rPr kumimoji="0" lang="en-US" dirty="0" smtClean="0"/>
               <a:t>Click to edit Master text styles</a:t>
             </a:r>
           </a:p>
           <a:p>
             <a:pPr lvl="1" eaLnBrk="1" latinLnBrk="0" hangingPunct="1"/>
             <a:r>
-              <a:rPr kumimoji="0" lang="en-US" smtClean="0"/>
+              <a:rPr kumimoji="0" lang="en-US" dirty="0" smtClean="0"/>
               <a:t>Second level</a:t>
             </a:r>
           </a:p>
           <a:p>
             <a:pPr lvl="2" eaLnBrk="1" latinLnBrk="0" hangingPunct="1"/>
             <a:r>
-              <a:rPr kumimoji="0" lang="en-US" smtClean="0"/>
+              <a:rPr kumimoji="0" lang="en-US" dirty="0" smtClean="0"/>
               <a:t>Third level</a:t>
             </a:r>
           </a:p>
           <a:p>
             <a:pPr lvl="3" eaLnBrk="1" latinLnBrk="0" hangingPunct="1"/>
             <a:r>
-              <a:rPr kumimoji="0" lang="en-US" smtClean="0"/>
+              <a:rPr kumimoji="0" lang="en-US" dirty="0" smtClean="0"/>
               <a:t>Fourth level</a:t>
             </a:r>
           </a:p>
           <a:p>
             <a:pPr lvl="4" eaLnBrk="1" latinLnBrk="0" hangingPunct="1"/>
             <a:r>
-              <a:rPr kumimoji="0" lang="en-US" smtClean="0"/>
+              <a:rPr kumimoji="0" lang="en-US" dirty="0" smtClean="0"/>
               <a:t>Fifth level</a:t>
             </a:r>
-            <a:endParaRPr kumimoji="0" lang="en-US"/>
+            <a:endParaRPr kumimoji="0" lang="en-US" dirty="0"/>
           </a:p>
         </p:txBody>
       </p:sp>
@@ -3734,6 +3788,13 @@
   <p:clrMapOvr>
     <a:masterClrMapping/>
   </p:clrMapOvr>
+  <p:timing>
+    <p:tnLst>
+      <p:par>
+        <p:cTn id="1" dur="indefinite" restart="never" nodeType="tmRoot"/>
+      </p:par>
+    </p:tnLst>
+  </p:timing>
 </p:sld>
 </file>
 
@@ -3826,19 +3887,7 @@
             </a:r>
             <a:r>
               <a:rPr lang="en-AU" sz="2800" dirty="0" smtClean="0"/>
-              <a:t> </a:t>
-            </a:r>
-            <a:r>
-              <a:rPr lang="en-AU" sz="2800" dirty="0" smtClean="0"/>
-              <a:t>Sahib and </a:t>
-            </a:r>
-            <a:r>
-              <a:rPr lang="en-AU" sz="2800" dirty="0" smtClean="0"/>
-              <a:t>then sit side by side at the front of the </a:t>
-            </a:r>
-            <a:r>
-              <a:rPr lang="en-AU" sz="2800" dirty="0" smtClean="0"/>
-              <a:t>hall</a:t>
+              <a:t> Sahib and then sit side by side in front.</a:t>
             </a:r>
           </a:p>
           <a:p>
@@ -3856,25 +3905,8 @@
             </a:r>
             <a:r>
               <a:rPr lang="en-AU" sz="2800" dirty="0" smtClean="0"/>
-              <a:t>is the </a:t>
-            </a:r>
-            <a:r>
-              <a:rPr lang="en-AU" sz="2800" dirty="0" smtClean="0"/>
-              <a:t>central religious text of </a:t>
-            </a:r>
-            <a:r>
-              <a:rPr lang="en-AU" sz="2800" dirty="0" smtClean="0"/>
-              <a:t>Sikhism and the sovereign </a:t>
-            </a:r>
-            <a:r>
-              <a:rPr lang="en-AU" sz="2800" dirty="0" smtClean="0"/>
-              <a:t>Guru of the </a:t>
-            </a:r>
-            <a:r>
-              <a:rPr lang="en-AU" sz="2800" dirty="0" smtClean="0"/>
-              <a:t>Sikhs</a:t>
-            </a:r>
-            <a:endParaRPr lang="en-AU" sz="2800" dirty="0" smtClean="0"/>
+              <a:t>is the central religious text of Sikhism and the sovereign Guru of the Sikhs</a:t>
+            </a:r>
           </a:p>
           <a:p>
             <a:r>
@@ -3916,6 +3948,13 @@
   <p:clrMapOvr>
     <a:masterClrMapping/>
   </p:clrMapOvr>
+  <p:timing>
+    <p:tnLst>
+      <p:par>
+        <p:cTn id="1" dur="indefinite" restart="never" nodeType="tmRoot"/>
+      </p:par>
+    </p:tnLst>
+  </p:timing>
 </p:sld>
 </file>
 
@@ -4025,7 +4064,7 @@
             </a:r>
             <a:r>
               <a:rPr lang="en-AU" sz="3000" dirty="0" smtClean="0"/>
-              <a:t> has deep lesson from the Guru for to be married couple to fulfil that purpose</a:t>
+              <a:t> has deep lesson from the Guru for the couple to fulfil that purpose</a:t>
             </a:r>
           </a:p>
         </p:txBody>
@@ -4035,6 +4074,13 @@
   <p:clrMapOvr>
     <a:masterClrMapping/>
   </p:clrMapOvr>
+  <p:timing>
+    <p:tnLst>
+      <p:par>
+        <p:cTn id="1" dur="indefinite" restart="never" nodeType="tmRoot"/>
+      </p:par>
+    </p:tnLst>
+  </p:timing>
 </p:sld>
 </file>
 
@@ -4143,7 +4189,7 @@
             </a:pPr>
             <a:r>
               <a:rPr lang="en-AU" sz="2800" dirty="0" smtClean="0"/>
-              <a:t>The third stage is that of detachment: </a:t>
+              <a:t>The third stage is that of detachment, </a:t>
             </a:r>
             <a:r>
               <a:rPr lang="en-AU" sz="2800" dirty="0" err="1" smtClean="0"/>
@@ -4176,6 +4222,13 @@
   <p:clrMapOvr>
     <a:masterClrMapping/>
   </p:clrMapOvr>
+  <p:timing>
+    <p:tnLst>
+      <p:par>
+        <p:cTn id="1" dur="indefinite" restart="never" nodeType="tmRoot"/>
+      </p:par>
+    </p:tnLst>
+  </p:timing>
 </p:sld>
 </file>
 

--- a/presentations/Anand Karaj Presentation.pptx
+++ b/presentations/Anand Karaj Presentation.pptx
@@ -3869,8 +3869,13 @@
             </a:r>
             <a:r>
               <a:rPr lang="en-AU" sz="2800" dirty="0" smtClean="0"/>
-              <a:t> ( this place )</a:t>
-            </a:r>
+              <a:t> ( this place </a:t>
+            </a:r>
+            <a:r>
+              <a:rPr lang="en-AU" sz="2800" dirty="0" smtClean="0"/>
+              <a:t>).</a:t>
+            </a:r>
+            <a:endParaRPr lang="en-AU" sz="2800" dirty="0" smtClean="0"/>
           </a:p>
           <a:p>
             <a:r>
@@ -3905,8 +3910,25 @@
             </a:r>
             <a:r>
               <a:rPr lang="en-AU" sz="2800" dirty="0" smtClean="0"/>
-              <a:t>is the central religious text of Sikhism and the sovereign Guru of the Sikhs</a:t>
-            </a:r>
+              <a:t>is the central religious </a:t>
+            </a:r>
+            <a:r>
+              <a:rPr lang="en-AU" sz="2800" dirty="0" smtClean="0"/>
+              <a:t>scripture</a:t>
+            </a:r>
+            <a:r>
+              <a:rPr lang="en-AU" sz="2800" dirty="0" smtClean="0"/>
+              <a:t> </a:t>
+            </a:r>
+            <a:r>
+              <a:rPr lang="en-AU" sz="2800" dirty="0" smtClean="0"/>
+              <a:t>of Sikhism and the sovereign Guru of the </a:t>
+            </a:r>
+            <a:r>
+              <a:rPr lang="en-AU" sz="2800" dirty="0" smtClean="0"/>
+              <a:t>Sikhs.</a:t>
+            </a:r>
+            <a:endParaRPr lang="en-AU" sz="2800" dirty="0" smtClean="0"/>
           </a:p>
           <a:p>
             <a:r>
@@ -3923,8 +3945,17 @@
             </a:r>
             <a:r>
               <a:rPr lang="en-AU" sz="2800" dirty="0" smtClean="0"/>
-              <a:t> , more on this next)</a:t>
-            </a:r>
+              <a:t> , more on this </a:t>
+            </a:r>
+            <a:r>
+              <a:rPr lang="en-AU" sz="2800" smtClean="0"/>
+              <a:t>next</a:t>
+            </a:r>
+            <a:r>
+              <a:rPr lang="en-AU" sz="2800" smtClean="0"/>
+              <a:t>).</a:t>
+            </a:r>
+            <a:endParaRPr lang="en-AU" sz="2800" dirty="0" smtClean="0"/>
           </a:p>
           <a:p>
             <a:r>
